--- a/SchoolPresentation.pptx
+++ b/SchoolPresentation.pptx
@@ -1893,7 +1893,7 @@
           <a:p>
             <a:fld id="{F4D57BDD-E64A-4D27-8978-82FFCA18A12C}" type="datetimeFigureOut">
               <a:rPr lang="en-US" smtClean="0"/>
-              <a:t>5/10/2024</a:t>
+              <a:t>5/14/2024</a:t>
             </a:fld>
             <a:endParaRPr lang="en-US"/>
           </a:p>
@@ -2102,7 +2102,7 @@
           <a:p>
             <a:fld id="{F4D57BDD-E64A-4D27-8978-82FFCA18A12C}" type="datetimeFigureOut">
               <a:rPr lang="en-US" smtClean="0"/>
-              <a:t>5/10/2024</a:t>
+              <a:t>5/14/2024</a:t>
             </a:fld>
             <a:endParaRPr lang="en-US"/>
           </a:p>
@@ -2310,7 +2310,7 @@
           <a:p>
             <a:fld id="{F4D57BDD-E64A-4D27-8978-82FFCA18A12C}" type="datetimeFigureOut">
               <a:rPr lang="en-US" smtClean="0"/>
-              <a:t>5/10/2024</a:t>
+              <a:t>5/14/2024</a:t>
             </a:fld>
             <a:endParaRPr lang="en-US"/>
           </a:p>
@@ -2508,7 +2508,7 @@
           <a:p>
             <a:fld id="{F4D57BDD-E64A-4D27-8978-82FFCA18A12C}" type="datetimeFigureOut">
               <a:rPr lang="en-US" smtClean="0"/>
-              <a:t>5/10/2024</a:t>
+              <a:t>5/14/2024</a:t>
             </a:fld>
             <a:endParaRPr lang="en-US"/>
           </a:p>
@@ -2784,7 +2784,7 @@
           <a:p>
             <a:fld id="{F4D57BDD-E64A-4D27-8978-82FFCA18A12C}" type="datetimeFigureOut">
               <a:rPr lang="en-US" smtClean="0"/>
-              <a:t>5/10/2024</a:t>
+              <a:t>5/14/2024</a:t>
             </a:fld>
             <a:endParaRPr lang="en-US"/>
           </a:p>
@@ -3056,7 +3056,7 @@
           <a:p>
             <a:fld id="{F4D57BDD-E64A-4D27-8978-82FFCA18A12C}" type="datetimeFigureOut">
               <a:rPr lang="en-US" smtClean="0"/>
-              <a:t>5/10/2024</a:t>
+              <a:t>5/14/2024</a:t>
             </a:fld>
             <a:endParaRPr lang="en-US"/>
           </a:p>
@@ -3470,7 +3470,7 @@
           <a:p>
             <a:fld id="{F4D57BDD-E64A-4D27-8978-82FFCA18A12C}" type="datetimeFigureOut">
               <a:rPr lang="en-US" smtClean="0"/>
-              <a:t>5/10/2024</a:t>
+              <a:t>5/14/2024</a:t>
             </a:fld>
             <a:endParaRPr lang="en-US"/>
           </a:p>
@@ -3617,7 +3617,7 @@
           <a:p>
             <a:fld id="{F4D57BDD-E64A-4D27-8978-82FFCA18A12C}" type="datetimeFigureOut">
               <a:rPr lang="en-US" smtClean="0"/>
-              <a:t>5/10/2024</a:t>
+              <a:t>5/14/2024</a:t>
             </a:fld>
             <a:endParaRPr lang="en-US"/>
           </a:p>
@@ -3730,7 +3730,7 @@
           <a:p>
             <a:fld id="{F4D57BDD-E64A-4D27-8978-82FFCA18A12C}" type="datetimeFigureOut">
               <a:rPr lang="en-US" smtClean="0"/>
-              <a:t>5/10/2024</a:t>
+              <a:t>5/14/2024</a:t>
             </a:fld>
             <a:endParaRPr lang="en-US"/>
           </a:p>
@@ -4042,7 +4042,7 @@
           <a:p>
             <a:fld id="{F4D57BDD-E64A-4D27-8978-82FFCA18A12C}" type="datetimeFigureOut">
               <a:rPr lang="en-US" smtClean="0"/>
-              <a:t>5/10/2024</a:t>
+              <a:t>5/14/2024</a:t>
             </a:fld>
             <a:endParaRPr lang="en-US"/>
           </a:p>
@@ -4333,7 +4333,7 @@
           <a:p>
             <a:fld id="{F4D57BDD-E64A-4D27-8978-82FFCA18A12C}" type="datetimeFigureOut">
               <a:rPr lang="en-US" smtClean="0"/>
-              <a:t>5/10/2024</a:t>
+              <a:t>5/14/2024</a:t>
             </a:fld>
             <a:endParaRPr lang="en-US"/>
           </a:p>
@@ -4575,7 +4575,7 @@
             <a:fld id="{F4D57BDD-E64A-4D27-8978-82FFCA18A12C}" type="datetimeFigureOut">
               <a:rPr lang="en-US" smtClean="0"/>
               <a:pPr/>
-              <a:t>5/10/2024</a:t>
+              <a:t>5/14/2024</a:t>
             </a:fld>
             <a:endParaRPr lang="en-US" dirty="0"/>
           </a:p>
@@ -5264,13 +5264,13 @@
   <p:clrMapOvr>
     <a:masterClrMapping/>
   </p:clrMapOvr>
-  <mc:AlternateContent xmlns:mc="http://schemas.openxmlformats.org/markup-compatibility/2006">
-    <mc:Choice xmlns:p14="http://schemas.microsoft.com/office/powerpoint/2010/main" Requires="p14">
+  <mc:AlternateContent xmlns:mc="http://schemas.openxmlformats.org/markup-compatibility/2006" xmlns:p14="http://schemas.microsoft.com/office/powerpoint/2010/main">
+    <mc:Choice Requires="p14">
       <p:transition spd="slow" p14:dur="2000">
         <p14:vortex dir="r"/>
       </p:transition>
     </mc:Choice>
-    <mc:Fallback>
+    <mc:Fallback xmlns="">
       <p:transition spd="slow">
         <p:fade/>
       </p:transition>
@@ -5539,13 +5539,13 @@
   <p:clrMapOvr>
     <a:masterClrMapping/>
   </p:clrMapOvr>
-  <mc:AlternateContent xmlns:mc="http://schemas.openxmlformats.org/markup-compatibility/2006">
-    <mc:Choice xmlns:p14="http://schemas.microsoft.com/office/powerpoint/2010/main" Requires="p14">
+  <mc:AlternateContent xmlns:mc="http://schemas.openxmlformats.org/markup-compatibility/2006" xmlns:p14="http://schemas.microsoft.com/office/powerpoint/2010/main">
+    <mc:Choice Requires="p14">
       <p:transition spd="slow" p14:dur="1250">
         <p14:flip dir="r"/>
       </p:transition>
     </mc:Choice>
-    <mc:Fallback>
+    <mc:Fallback xmlns="">
       <p:transition spd="slow">
         <p:fade/>
       </p:transition>
@@ -5684,13 +5684,13 @@
   <p:clrMapOvr>
     <a:masterClrMapping/>
   </p:clrMapOvr>
-  <mc:AlternateContent xmlns:mc="http://schemas.openxmlformats.org/markup-compatibility/2006">
-    <mc:Choice xmlns:p14="http://schemas.microsoft.com/office/powerpoint/2010/main" Requires="p14">
+  <mc:AlternateContent xmlns:mc="http://schemas.openxmlformats.org/markup-compatibility/2006" xmlns:p14="http://schemas.microsoft.com/office/powerpoint/2010/main">
+    <mc:Choice Requires="p14">
       <p:transition spd="slow" p14:dur="2500">
         <p14:glitter pattern="hexagon"/>
       </p:transition>
     </mc:Choice>
-    <mc:Fallback>
+    <mc:Fallback xmlns="">
       <p:transition spd="slow">
         <p:fade/>
       </p:transition>
@@ -13690,13 +13690,13 @@
   <p:clrMapOvr>
     <a:masterClrMapping/>
   </p:clrMapOvr>
-  <mc:AlternateContent xmlns:mc="http://schemas.openxmlformats.org/markup-compatibility/2006">
-    <mc:Choice xmlns:p14="http://schemas.microsoft.com/office/powerpoint/2010/main" Requires="p14">
+  <mc:AlternateContent xmlns:mc="http://schemas.openxmlformats.org/markup-compatibility/2006" xmlns:p14="http://schemas.microsoft.com/office/powerpoint/2010/main">
+    <mc:Choice Requires="p14">
       <p:transition spd="slow" p14:dur="1250">
         <p14:flip dir="r"/>
       </p:transition>
     </mc:Choice>
-    <mc:Fallback>
+    <mc:Fallback xmlns="">
       <p:transition spd="slow">
         <p:fade/>
       </p:transition>
@@ -13831,13 +13831,13 @@
   <p:clrMapOvr>
     <a:masterClrMapping/>
   </p:clrMapOvr>
-  <mc:AlternateContent xmlns:mc="http://schemas.openxmlformats.org/markup-compatibility/2006">
-    <mc:Choice xmlns:p14="http://schemas.microsoft.com/office/powerpoint/2010/main" Requires="p14">
+  <mc:AlternateContent xmlns:mc="http://schemas.openxmlformats.org/markup-compatibility/2006" xmlns:p14="http://schemas.microsoft.com/office/powerpoint/2010/main">
+    <mc:Choice Requires="p14">
       <p:transition spd="slow" p14:dur="2500">
         <p14:glitter pattern="hexagon"/>
       </p:transition>
     </mc:Choice>
-    <mc:Fallback>
+    <mc:Fallback xmlns="">
       <p:transition spd="slow">
         <p:fade/>
       </p:transition>
@@ -20483,13 +20483,13 @@
   <p:clrMapOvr>
     <a:masterClrMapping/>
   </p:clrMapOvr>
-  <mc:AlternateContent xmlns:mc="http://schemas.openxmlformats.org/markup-compatibility/2006">
-    <mc:Choice xmlns:p14="http://schemas.microsoft.com/office/powerpoint/2010/main" Requires="p14">
+  <mc:AlternateContent xmlns:mc="http://schemas.openxmlformats.org/markup-compatibility/2006" xmlns:p14="http://schemas.microsoft.com/office/powerpoint/2010/main">
+    <mc:Choice Requires="p14">
       <p:transition spd="slow" p14:dur="1250">
         <p14:flip dir="r"/>
       </p:transition>
     </mc:Choice>
-    <mc:Fallback>
+    <mc:Fallback xmlns="">
       <p:transition spd="slow">
         <p:fade/>
       </p:transition>
@@ -20622,13 +20622,13 @@
   <p:clrMapOvr>
     <a:masterClrMapping/>
   </p:clrMapOvr>
-  <mc:AlternateContent xmlns:mc="http://schemas.openxmlformats.org/markup-compatibility/2006">
-    <mc:Choice xmlns:p14="http://schemas.microsoft.com/office/powerpoint/2010/main" Requires="p14">
+  <mc:AlternateContent xmlns:mc="http://schemas.openxmlformats.org/markup-compatibility/2006" xmlns:p14="http://schemas.microsoft.com/office/powerpoint/2010/main">
+    <mc:Choice Requires="p14">
       <p:transition spd="slow" p14:dur="2500">
         <p14:glitter pattern="hexagon"/>
       </p:transition>
     </mc:Choice>
-    <mc:Fallback>
+    <mc:Fallback xmlns="">
       <p:transition spd="slow">
         <p:fade/>
       </p:transition>
@@ -21211,13 +21211,13 @@
   <p:clrMapOvr>
     <a:masterClrMapping/>
   </p:clrMapOvr>
-  <mc:AlternateContent xmlns:mc="http://schemas.openxmlformats.org/markup-compatibility/2006">
-    <mc:Choice xmlns:p14="http://schemas.microsoft.com/office/powerpoint/2010/main" Requires="p14">
+  <mc:AlternateContent xmlns:mc="http://schemas.openxmlformats.org/markup-compatibility/2006" xmlns:p14="http://schemas.microsoft.com/office/powerpoint/2010/main">
+    <mc:Choice Requires="p14">
       <p:transition spd="slow" p14:dur="1250">
         <p14:flip dir="r"/>
       </p:transition>
     </mc:Choice>
-    <mc:Fallback>
+    <mc:Fallback xmlns="">
       <p:transition spd="slow">
         <p:fade/>
       </p:transition>
@@ -21353,10 +21353,16 @@
           <a:p>
             <a:pPr algn="ctr"/>
             <a:r>
+              <a:rPr lang="en-GB" sz="2400">
+                <a:hlinkClick r:id="rId3"/>
+              </a:rPr>
+              <a:t>nrobinson</a:t>
+            </a:r>
+            <a:r>
               <a:rPr lang="en-GB" sz="2400" dirty="0">
                 <a:hlinkClick r:id="rId3"/>
               </a:rPr>
-              <a:t>NRobinson@rcs-uk.com</a:t>
+              <a:t>@rcs-uk.com</a:t>
             </a:r>
             <a:endParaRPr lang="en-GB" sz="2400" dirty="0"/>
           </a:p>
@@ -21455,13 +21461,13 @@
   <p:clrMapOvr>
     <a:masterClrMapping/>
   </p:clrMapOvr>
-  <mc:AlternateContent xmlns:mc="http://schemas.openxmlformats.org/markup-compatibility/2006">
-    <mc:Choice xmlns:p14="http://schemas.microsoft.com/office/powerpoint/2010/main" Requires="p14">
+  <mc:AlternateContent xmlns:mc="http://schemas.openxmlformats.org/markup-compatibility/2006" xmlns:p14="http://schemas.microsoft.com/office/powerpoint/2010/main">
+    <mc:Choice Requires="p14">
       <p:transition spd="slow" p14:dur="1250">
         <p14:flip dir="r"/>
       </p:transition>
     </mc:Choice>
-    <mc:Fallback>
+    <mc:Fallback xmlns="">
       <p:transition spd="slow">
         <p:fade/>
       </p:transition>
@@ -27612,13 +27618,13 @@
   <p:clrMapOvr>
     <a:masterClrMapping/>
   </p:clrMapOvr>
-  <mc:AlternateContent xmlns:mc="http://schemas.openxmlformats.org/markup-compatibility/2006">
-    <mc:Choice xmlns:p14="http://schemas.microsoft.com/office/powerpoint/2010/main" Requires="p14">
+  <mc:AlternateContent xmlns:mc="http://schemas.openxmlformats.org/markup-compatibility/2006" xmlns:p14="http://schemas.microsoft.com/office/powerpoint/2010/main">
+    <mc:Choice Requires="p14">
       <p:transition spd="slow" p14:dur="1250">
         <p14:flip dir="r"/>
       </p:transition>
     </mc:Choice>
-    <mc:Fallback>
+    <mc:Fallback xmlns="">
       <p:transition spd="slow">
         <p:fade/>
       </p:transition>
@@ -27752,13 +27758,13 @@
   <p:clrMapOvr>
     <a:masterClrMapping/>
   </p:clrMapOvr>
-  <mc:AlternateContent xmlns:mc="http://schemas.openxmlformats.org/markup-compatibility/2006">
-    <mc:Choice xmlns:p14="http://schemas.microsoft.com/office/powerpoint/2010/main" Requires="p14">
+  <mc:AlternateContent xmlns:mc="http://schemas.openxmlformats.org/markup-compatibility/2006" xmlns:p14="http://schemas.microsoft.com/office/powerpoint/2010/main">
+    <mc:Choice Requires="p14">
       <p:transition spd="slow" p14:dur="2500">
         <p14:glitter pattern="hexagon"/>
       </p:transition>
     </mc:Choice>
-    <mc:Fallback>
+    <mc:Fallback xmlns="">
       <p:transition spd="slow">
         <p:fade/>
       </p:transition>
@@ -28078,13 +28084,13 @@
   <p:clrMapOvr>
     <a:masterClrMapping/>
   </p:clrMapOvr>
-  <mc:AlternateContent xmlns:mc="http://schemas.openxmlformats.org/markup-compatibility/2006">
-    <mc:Choice xmlns:p14="http://schemas.microsoft.com/office/powerpoint/2010/main" Requires="p14">
+  <mc:AlternateContent xmlns:mc="http://schemas.openxmlformats.org/markup-compatibility/2006" xmlns:p14="http://schemas.microsoft.com/office/powerpoint/2010/main">
+    <mc:Choice Requires="p14">
       <p:transition p14:dur="100">
         <p:cut/>
       </p:transition>
     </mc:Choice>
-    <mc:Fallback>
+    <mc:Fallback xmlns="">
       <p:transition>
         <p:cut/>
       </p:transition>
@@ -28225,13 +28231,13 @@
   <p:clrMapOvr>
     <a:masterClrMapping/>
   </p:clrMapOvr>
-  <mc:AlternateContent xmlns:mc="http://schemas.openxmlformats.org/markup-compatibility/2006">
-    <mc:Choice xmlns:p14="http://schemas.microsoft.com/office/powerpoint/2010/main" Requires="p14">
+  <mc:AlternateContent xmlns:mc="http://schemas.openxmlformats.org/markup-compatibility/2006" xmlns:p14="http://schemas.microsoft.com/office/powerpoint/2010/main">
+    <mc:Choice Requires="p14">
       <p:transition p14:dur="100">
         <p:cut/>
       </p:transition>
     </mc:Choice>
-    <mc:Fallback>
+    <mc:Fallback xmlns="">
       <p:transition>
         <p:cut/>
       </p:transition>

--- a/SchoolPresentation.pptx
+++ b/SchoolPresentation.pptx
@@ -21356,7 +21356,7 @@
               <a:rPr lang="en-GB" sz="2400">
                 <a:hlinkClick r:id="rId3"/>
               </a:rPr>
-              <a:t>nrobinson</a:t>
+              <a:t>NRobinson</a:t>
             </a:r>
             <a:r>
               <a:rPr lang="en-GB" sz="2400" dirty="0">
